--- a/아두이노 프로젝트.pptx
+++ b/아두이노 프로젝트.pptx
@@ -755,6 +755,180 @@
     <p:extLst>
       <p:ext uri="{BB962C8B-B14F-4D97-AF65-F5344CB8AC3E}">
         <p14:creationId xmlns:p14="http://schemas.microsoft.com/office/powerpoint/2010/main" val="2721617084"/>
+      </p:ext>
+    </p:extLst>
+  </p:cSld>
+  <p:clrMapOvr>
+    <a:masterClrMapping/>
+  </p:clrMapOvr>
+</p:notes>
+</file>
+
+<file path=ppt/notesSlides/notesSlide2.xml><?xml version="1.0" encoding="utf-8"?>
+<p:notes xmlns:a="http://schemas.openxmlformats.org/drawingml/2006/main" xmlns:r="http://schemas.openxmlformats.org/officeDocument/2006/relationships" xmlns:p="http://schemas.openxmlformats.org/presentationml/2006/main">
+  <p:cSld>
+    <p:spTree>
+      <p:nvGrpSpPr>
+        <p:cNvPr id="1" name=""/>
+        <p:cNvGrpSpPr/>
+        <p:nvPr/>
+      </p:nvGrpSpPr>
+      <p:grpSpPr>
+        <a:xfrm>
+          <a:off x="0" y="0"/>
+          <a:ext cx="0" cy="0"/>
+          <a:chOff x="0" y="0"/>
+          <a:chExt cx="0" cy="0"/>
+        </a:xfrm>
+      </p:grpSpPr>
+      <p:sp>
+        <p:nvSpPr>
+          <p:cNvPr id="2" name="슬라이드 이미지 개체 틀 1"/>
+          <p:cNvSpPr>
+            <a:spLocks noGrp="1" noRot="1" noChangeAspect="1"/>
+          </p:cNvSpPr>
+          <p:nvPr>
+            <p:ph type="sldImg"/>
+          </p:nvPr>
+        </p:nvSpPr>
+        <p:spPr/>
+      </p:sp>
+      <p:sp>
+        <p:nvSpPr>
+          <p:cNvPr id="3" name="슬라이드 노트 개체 틀 2"/>
+          <p:cNvSpPr>
+            <a:spLocks noGrp="1"/>
+          </p:cNvSpPr>
+          <p:nvPr>
+            <p:ph type="body" idx="1"/>
+          </p:nvPr>
+        </p:nvSpPr>
+        <p:spPr/>
+        <p:txBody>
+          <a:bodyPr/>
+          <a:lstStyle/>
+          <a:p>
+            <a:r>
+              <a:rPr lang="en-US" altLang="ko-KR"/>
+              <a:t>BT.available&gt;0</a:t>
+            </a:r>
+            <a:r>
+              <a:rPr lang="ko-KR" altLang="en-US"/>
+              <a:t>이라는 코드는 블루투스 신호를 수신하면 </a:t>
+            </a:r>
+            <a:r>
+              <a:rPr lang="en-US" altLang="ko-KR"/>
+              <a:t>data</a:t>
+            </a:r>
+            <a:r>
+              <a:rPr lang="ko-KR" altLang="en-US"/>
+              <a:t>변수에 저장하라는 뜻입니다</a:t>
+            </a:r>
+            <a:r>
+              <a:rPr lang="en-US" altLang="ko-KR"/>
+              <a:t>.</a:t>
+            </a:r>
+          </a:p>
+          <a:p>
+            <a:r>
+              <a:rPr lang="en-US" altLang="ko-KR"/>
+              <a:t>data</a:t>
+            </a:r>
+            <a:r>
+              <a:rPr lang="ko-KR" altLang="en-US"/>
+              <a:t>가 </a:t>
+            </a:r>
+            <a:r>
+              <a:rPr lang="en-US" altLang="ko-KR"/>
+              <a:t>a</a:t>
+            </a:r>
+            <a:r>
+              <a:rPr lang="ko-KR" altLang="en-US"/>
+              <a:t>면 </a:t>
+            </a:r>
+            <a:r>
+              <a:rPr lang="en-US" altLang="ko-KR"/>
+              <a:t>1</a:t>
+            </a:r>
+            <a:r>
+              <a:rPr lang="ko-KR" altLang="en-US"/>
+              <a:t>단계</a:t>
+            </a:r>
+            <a:r>
+              <a:rPr lang="en-US" altLang="ko-KR"/>
+              <a:t>, b</a:t>
+            </a:r>
+            <a:r>
+              <a:rPr lang="ko-KR" altLang="en-US"/>
+              <a:t>면 </a:t>
+            </a:r>
+            <a:r>
+              <a:rPr lang="en-US" altLang="ko-KR"/>
+              <a:t>2</a:t>
+            </a:r>
+            <a:r>
+              <a:rPr lang="ko-KR" altLang="en-US"/>
+              <a:t>단계</a:t>
+            </a:r>
+            <a:r>
+              <a:rPr lang="en-US" altLang="ko-KR"/>
+              <a:t>, c</a:t>
+            </a:r>
+            <a:r>
+              <a:rPr lang="ko-KR" altLang="en-US"/>
+              <a:t>면 </a:t>
+            </a:r>
+            <a:r>
+              <a:rPr lang="en-US" altLang="ko-KR"/>
+              <a:t>3</a:t>
+            </a:r>
+            <a:r>
+              <a:rPr lang="ko-KR" altLang="en-US"/>
+              <a:t>단계</a:t>
+            </a:r>
+            <a:r>
+              <a:rPr lang="en-US" altLang="ko-KR"/>
+              <a:t>, d</a:t>
+            </a:r>
+            <a:r>
+              <a:rPr lang="ko-KR" altLang="en-US"/>
+              <a:t>면 꺼지게 됩니다</a:t>
+            </a:r>
+            <a:r>
+              <a:rPr lang="en-US" altLang="ko-KR"/>
+              <a:t>.</a:t>
+            </a:r>
+            <a:endParaRPr lang="ko-KR" altLang="en-US"/>
+          </a:p>
+        </p:txBody>
+      </p:sp>
+      <p:sp>
+        <p:nvSpPr>
+          <p:cNvPr id="4" name="슬라이드 번호 개체 틀 3"/>
+          <p:cNvSpPr>
+            <a:spLocks noGrp="1"/>
+          </p:cNvSpPr>
+          <p:nvPr>
+            <p:ph type="sldNum" sz="quarter" idx="5"/>
+          </p:nvPr>
+        </p:nvSpPr>
+        <p:spPr/>
+        <p:txBody>
+          <a:bodyPr/>
+          <a:lstStyle/>
+          <a:p>
+            <a:fld id="{E47DF811-11ED-4312-AC88-03D3BB5A605D}" type="slidenum">
+              <a:rPr lang="ko-KR" altLang="en-US" smtClean="0"/>
+              <a:t>6</a:t>
+            </a:fld>
+            <a:endParaRPr lang="ko-KR" altLang="en-US"/>
+          </a:p>
+        </p:txBody>
+      </p:sp>
+    </p:spTree>
+    <p:extLst>
+      <p:ext uri="{BB962C8B-B14F-4D97-AF65-F5344CB8AC3E}">
+        <p14:creationId xmlns:p14="http://schemas.microsoft.com/office/powerpoint/2010/main" val="1725139746"/>
       </p:ext>
     </p:extLst>
   </p:cSld>
@@ -12188,71 +12362,6 @@
       </p:pic>
       <p:sp>
         <p:nvSpPr>
-          <p:cNvPr id="26" name="TextBox 25"/>
-          <p:cNvSpPr txBox="1"/>
-          <p:nvPr/>
-        </p:nvSpPr>
-        <p:spPr>
-          <a:xfrm>
-            <a:off x="6010599" y="2123565"/>
-            <a:ext cx="1947738" cy="369332"/>
-          </a:xfrm>
-          <a:prstGeom prst="rect">
-            <a:avLst/>
-          </a:prstGeom>
-          <a:noFill/>
-        </p:spPr>
-        <p:txBody>
-          <a:bodyPr wrap="square" rtlCol="0">
-            <a:spAutoFit/>
-          </a:bodyPr>
-          <a:lstStyle/>
-          <a:p>
-            <a:pPr algn="ctr"/>
-            <a:r>
-              <a:rPr lang="en-US" altLang="ko-KR" spc="-150" dirty="0">
-                <a:latin typeface="배달의민족 주아" panose="02020603020101020101" pitchFamily="18" charset="-127"/>
-                <a:ea typeface="배달의민족 주아" panose="02020603020101020101" pitchFamily="18" charset="-127"/>
-              </a:rPr>
-              <a:t>(</a:t>
-            </a:r>
-            <a:r>
-              <a:rPr lang="ko-KR" altLang="en-US" spc="-150" dirty="0" err="1">
-                <a:latin typeface="배달의민족 주아" panose="02020603020101020101" pitchFamily="18" charset="-127"/>
-                <a:ea typeface="배달의민족 주아" panose="02020603020101020101" pitchFamily="18" charset="-127"/>
-              </a:rPr>
-              <a:t>최고라자냐</a:t>
-            </a:r>
-            <a:r>
-              <a:rPr lang="en-US" altLang="ko-KR" spc="-150" dirty="0">
-                <a:latin typeface="배달의민족 주아" panose="02020603020101020101" pitchFamily="18" charset="-127"/>
-                <a:ea typeface="배달의민족 주아" panose="02020603020101020101" pitchFamily="18" charset="-127"/>
-              </a:rPr>
-              <a:t>~~</a:t>
-            </a:r>
-            <a:r>
-              <a:rPr lang="ko-KR" altLang="en-US" spc="-150" dirty="0">
-                <a:latin typeface="배달의민족 주아" panose="02020603020101020101" pitchFamily="18" charset="-127"/>
-                <a:ea typeface="배달의민족 주아" panose="02020603020101020101" pitchFamily="18" charset="-127"/>
-              </a:rPr>
-              <a:t>♥</a:t>
-            </a:r>
-            <a:r>
-              <a:rPr lang="en-US" altLang="ko-KR" spc="-150" dirty="0">
-                <a:latin typeface="배달의민족 주아" panose="02020603020101020101" pitchFamily="18" charset="-127"/>
-                <a:ea typeface="배달의민족 주아" panose="02020603020101020101" pitchFamily="18" charset="-127"/>
-              </a:rPr>
-              <a:t>)</a:t>
-            </a:r>
-            <a:endParaRPr lang="ko-KR" altLang="en-US" spc="-150" dirty="0">
-              <a:latin typeface="배달의민족 주아" panose="02020603020101020101" pitchFamily="18" charset="-127"/>
-              <a:ea typeface="배달의민족 주아" panose="02020603020101020101" pitchFamily="18" charset="-127"/>
-            </a:endParaRPr>
-          </a:p>
-        </p:txBody>
-      </p:sp>
-      <p:sp>
-        <p:nvSpPr>
           <p:cNvPr id="4" name="Rectangle 2">
             <a:extLst>
               <a:ext uri="{FF2B5EF4-FFF2-40B4-BE49-F238E27FC236}">
@@ -15626,7 +15735,7 @@
           <p:nvPr/>
         </p:nvPicPr>
         <p:blipFill>
-          <a:blip r:embed="rId2">
+          <a:blip r:embed="rId3">
             <a:extLst>
               <a:ext uri="{28A0092B-C50C-407E-A947-70E740481C1C}">
                 <a14:useLocalDpi xmlns:a14="http://schemas.microsoft.com/office/drawing/2010/main" val="0"/>
@@ -15790,7 +15899,7 @@
             <p:nvPr/>
           </p:nvPicPr>
           <p:blipFill rotWithShape="1">
-            <a:blip r:embed="rId3">
+            <a:blip r:embed="rId4">
               <a:extLst>
                 <a:ext uri="{28A0092B-C50C-407E-A947-70E740481C1C}">
                   <a14:useLocalDpi xmlns:a14="http://schemas.microsoft.com/office/drawing/2010/main" val="0"/>
@@ -15833,7 +15942,7 @@
             <p:nvPr/>
           </p:nvPicPr>
           <p:blipFill rotWithShape="1">
-            <a:blip r:embed="rId3">
+            <a:blip r:embed="rId4">
               <a:extLst>
                 <a:ext uri="{28A0092B-C50C-407E-A947-70E740481C1C}">
                   <a14:useLocalDpi xmlns:a14="http://schemas.microsoft.com/office/drawing/2010/main" val="0"/>
@@ -15876,7 +15985,7 @@
             <p:nvPr/>
           </p:nvPicPr>
           <p:blipFill rotWithShape="1">
-            <a:blip r:embed="rId3">
+            <a:blip r:embed="rId4">
               <a:extLst>
                 <a:ext uri="{28A0092B-C50C-407E-A947-70E740481C1C}">
                   <a14:useLocalDpi xmlns:a14="http://schemas.microsoft.com/office/drawing/2010/main" val="0"/>
@@ -15923,7 +16032,7 @@
           <p:nvPr/>
         </p:nvPicPr>
         <p:blipFill>
-          <a:blip r:embed="rId4">
+          <a:blip r:embed="rId5">
             <a:extLst>
               <a:ext uri="{28A0092B-C50C-407E-A947-70E740481C1C}">
                 <a14:useLocalDpi xmlns:a14="http://schemas.microsoft.com/office/drawing/2010/main" val="0"/>
@@ -15953,7 +16062,7 @@
           <p:nvPr/>
         </p:nvPicPr>
         <p:blipFill rotWithShape="1">
-          <a:blip r:embed="rId5">
+          <a:blip r:embed="rId6">
             <a:extLst>
               <a:ext uri="{28A0092B-C50C-407E-A947-70E740481C1C}">
                 <a14:useLocalDpi xmlns:a14="http://schemas.microsoft.com/office/drawing/2010/main" val="0"/>
@@ -15982,7 +16091,7 @@
           <p:nvPr/>
         </p:nvPicPr>
         <p:blipFill rotWithShape="1">
-          <a:blip r:embed="rId5">
+          <a:blip r:embed="rId6">
             <a:extLst>
               <a:ext uri="{28A0092B-C50C-407E-A947-70E740481C1C}">
                 <a14:useLocalDpi xmlns:a14="http://schemas.microsoft.com/office/drawing/2010/main" val="0"/>
@@ -16062,13 +16171,13 @@
       </p:sp>
       <p:sp>
         <p:nvSpPr>
-          <p:cNvPr id="24" name="TextBox 23"/>
+          <p:cNvPr id="25" name="TextBox 24"/>
           <p:cNvSpPr txBox="1"/>
           <p:nvPr/>
         </p:nvSpPr>
         <p:spPr>
           <a:xfrm>
-            <a:off x="4896737" y="3545422"/>
+            <a:off x="8410627" y="3540041"/>
             <a:ext cx="2391338" cy="369332"/>
           </a:xfrm>
           <a:prstGeom prst="rect">
@@ -16118,70 +16227,12 @@
           </a:p>
         </p:txBody>
       </p:sp>
-      <p:sp>
-        <p:nvSpPr>
-          <p:cNvPr id="25" name="TextBox 24"/>
-          <p:cNvSpPr txBox="1"/>
-          <p:nvPr/>
-        </p:nvSpPr>
-        <p:spPr>
-          <a:xfrm>
-            <a:off x="8410627" y="3540041"/>
-            <a:ext cx="2391338" cy="369332"/>
-          </a:xfrm>
-          <a:prstGeom prst="rect">
-            <a:avLst/>
-          </a:prstGeom>
-          <a:noFill/>
-        </p:spPr>
-        <p:txBody>
-          <a:bodyPr wrap="square" rtlCol="0">
-            <a:spAutoFit/>
-          </a:bodyPr>
-          <a:lstStyle/>
-          <a:p>
-            <a:pPr algn="ctr"/>
-            <a:r>
-              <a:rPr lang="en-US" altLang="ko-KR" spc="-150" dirty="0">
-                <a:latin typeface="배달의민족 주아" panose="02020603020101020101" pitchFamily="18" charset="-127"/>
-                <a:ea typeface="배달의민족 주아" panose="02020603020101020101" pitchFamily="18" charset="-127"/>
-              </a:rPr>
-              <a:t>(</a:t>
-            </a:r>
-            <a:r>
-              <a:rPr lang="ko-KR" altLang="en-US" spc="-150" dirty="0">
-                <a:latin typeface="배달의민족 주아" panose="02020603020101020101" pitchFamily="18" charset="-127"/>
-                <a:ea typeface="배달의민족 주아" panose="02020603020101020101" pitchFamily="18" charset="-127"/>
-              </a:rPr>
-              <a:t>텍스트나 이미지를 </a:t>
-            </a:r>
-            <a:r>
-              <a:rPr lang="ko-KR" altLang="en-US" spc="-150" dirty="0" err="1">
-                <a:latin typeface="배달의민족 주아" panose="02020603020101020101" pitchFamily="18" charset="-127"/>
-                <a:ea typeface="배달의민족 주아" panose="02020603020101020101" pitchFamily="18" charset="-127"/>
-              </a:rPr>
-              <a:t>넣으세용</a:t>
-            </a:r>
-            <a:r>
-              <a:rPr lang="en-US" altLang="ko-KR" spc="-150" dirty="0">
-                <a:latin typeface="배달의민족 주아" panose="02020603020101020101" pitchFamily="18" charset="-127"/>
-                <a:ea typeface="배달의민족 주아" panose="02020603020101020101" pitchFamily="18" charset="-127"/>
-              </a:rPr>
-              <a:t>)</a:t>
-            </a:r>
-            <a:endParaRPr lang="ko-KR" altLang="en-US" spc="-150" dirty="0">
-              <a:latin typeface="배달의민족 주아" panose="02020603020101020101" pitchFamily="18" charset="-127"/>
-              <a:ea typeface="배달의민족 주아" panose="02020603020101020101" pitchFamily="18" charset="-127"/>
-            </a:endParaRPr>
-          </a:p>
-        </p:txBody>
-      </p:sp>
       <p:pic>
         <p:nvPicPr>
-          <p:cNvPr id="18" name="그림 17">
+          <p:cNvPr id="3" name="그림 2">
             <a:extLst>
               <a:ext uri="{FF2B5EF4-FFF2-40B4-BE49-F238E27FC236}">
-                <a16:creationId xmlns:a16="http://schemas.microsoft.com/office/drawing/2014/main" id="{AF2CC672-F70C-4402-8014-D82FB360C7AB}"/>
+                <a16:creationId xmlns:a16="http://schemas.microsoft.com/office/drawing/2014/main" id="{20BAE053-08F8-4E45-A29D-D5B0D046E465}"/>
               </a:ext>
             </a:extLst>
           </p:cNvPr>
@@ -16190,15 +16241,104 @@
           </p:cNvPicPr>
           <p:nvPr/>
         </p:nvPicPr>
+        <p:blipFill>
+          <a:blip r:embed="rId7"/>
+          <a:stretch>
+            <a:fillRect/>
+          </a:stretch>
+        </p:blipFill>
+        <p:spPr>
+          <a:xfrm>
+            <a:off x="8177989" y="2466840"/>
+            <a:ext cx="2862878" cy="2022033"/>
+          </a:xfrm>
+          <a:prstGeom prst="rect">
+            <a:avLst/>
+          </a:prstGeom>
+        </p:spPr>
+      </p:pic>
+      <p:pic>
+        <p:nvPicPr>
+          <p:cNvPr id="5" name="그림 4">
+            <a:extLst>
+              <a:ext uri="{FF2B5EF4-FFF2-40B4-BE49-F238E27FC236}">
+                <a16:creationId xmlns:a16="http://schemas.microsoft.com/office/drawing/2014/main" id="{F36510B7-F893-4A3C-BFAA-5C7BCB9A05B5}"/>
+              </a:ext>
+            </a:extLst>
+          </p:cNvPr>
+          <p:cNvPicPr>
+            <a:picLocks noChangeAspect="1"/>
+          </p:cNvPicPr>
+          <p:nvPr/>
+        </p:nvPicPr>
         <p:blipFill rotWithShape="1">
-          <a:blip r:embed="rId6"/>
-          <a:srcRect t="13736" r="4838"/>
+          <a:blip r:embed="rId8"/>
+          <a:srcRect l="31673" t="35133" r="47433" b="17575"/>
           <a:stretch/>
         </p:blipFill>
         <p:spPr>
           <a:xfrm>
-            <a:off x="1120346" y="2176272"/>
-            <a:ext cx="2858467" cy="3628908"/>
+            <a:off x="1184041" y="2004657"/>
+            <a:ext cx="2749225" cy="3500403"/>
+          </a:xfrm>
+          <a:prstGeom prst="rect">
+            <a:avLst/>
+          </a:prstGeom>
+        </p:spPr>
+      </p:pic>
+      <p:pic>
+        <p:nvPicPr>
+          <p:cNvPr id="8" name="그림 7"/>
+          <p:cNvPicPr>
+            <a:picLocks noChangeAspect="1"/>
+          </p:cNvPicPr>
+          <p:nvPr/>
+        </p:nvPicPr>
+        <p:blipFill rotWithShape="1">
+          <a:blip r:embed="rId9">
+            <a:extLst>
+              <a:ext uri="{28A0092B-C50C-407E-A947-70E740481C1C}">
+                <a14:useLocalDpi xmlns:a14="http://schemas.microsoft.com/office/drawing/2010/main" val="0"/>
+              </a:ext>
+            </a:extLst>
+          </a:blip>
+          <a:srcRect t="5051" b="-1"/>
+          <a:stretch/>
+        </p:blipFill>
+        <p:spPr>
+          <a:xfrm flipH="1">
+            <a:off x="3074988" y="4488873"/>
+            <a:ext cx="2286000" cy="2170546"/>
+          </a:xfrm>
+          <a:prstGeom prst="rect">
+            <a:avLst/>
+          </a:prstGeom>
+        </p:spPr>
+      </p:pic>
+      <p:pic>
+        <p:nvPicPr>
+          <p:cNvPr id="6" name="그림 5">
+            <a:extLst>
+              <a:ext uri="{FF2B5EF4-FFF2-40B4-BE49-F238E27FC236}">
+                <a16:creationId xmlns:a16="http://schemas.microsoft.com/office/drawing/2014/main" id="{B51B5AB5-9EA0-457E-B817-B7435EE51933}"/>
+              </a:ext>
+            </a:extLst>
+          </p:cNvPr>
+          <p:cNvPicPr>
+            <a:picLocks noChangeAspect="1"/>
+          </p:cNvPicPr>
+          <p:nvPr/>
+        </p:nvPicPr>
+        <p:blipFill>
+          <a:blip r:embed="rId10"/>
+          <a:stretch>
+            <a:fillRect/>
+          </a:stretch>
+        </p:blipFill>
+        <p:spPr>
+          <a:xfrm>
+            <a:off x="4668338" y="2004953"/>
+            <a:ext cx="2810811" cy="2990071"/>
           </a:xfrm>
           <a:prstGeom prst="rect">
             <a:avLst/>
@@ -16220,13 +16360,13 @@
           <p:nvPr/>
         </p:nvPicPr>
         <p:blipFill rotWithShape="1">
-          <a:blip r:embed="rId7"/>
+          <a:blip r:embed="rId11"/>
           <a:srcRect r="4775"/>
           <a:stretch/>
         </p:blipFill>
         <p:spPr>
           <a:xfrm>
-            <a:off x="4662604" y="2369128"/>
+            <a:off x="4677669" y="2059427"/>
             <a:ext cx="2810752" cy="2221534"/>
           </a:xfrm>
           <a:prstGeom prst="rect">
@@ -16234,65 +16374,246 @@
           </a:prstGeom>
         </p:spPr>
       </p:pic>
-      <p:pic>
-        <p:nvPicPr>
-          <p:cNvPr id="3" name="그림 2">
+      <p:sp>
+        <p:nvSpPr>
+          <p:cNvPr id="9" name="직사각형 8">
             <a:extLst>
               <a:ext uri="{FF2B5EF4-FFF2-40B4-BE49-F238E27FC236}">
-                <a16:creationId xmlns:a16="http://schemas.microsoft.com/office/drawing/2014/main" id="{20BAE053-08F8-4E45-A29D-D5B0D046E465}"/>
+                <a16:creationId xmlns:a16="http://schemas.microsoft.com/office/drawing/2014/main" id="{EEA04E60-996E-451A-A78F-A6ABA8C7F6CB}"/>
               </a:ext>
             </a:extLst>
           </p:cNvPr>
-          <p:cNvPicPr>
-            <a:picLocks noChangeAspect="1"/>
-          </p:cNvPicPr>
-          <p:nvPr/>
-        </p:nvPicPr>
-        <p:blipFill>
-          <a:blip r:embed="rId8"/>
-          <a:stretch>
-            <a:fillRect/>
-          </a:stretch>
-        </p:blipFill>
-        <p:spPr>
-          <a:xfrm>
-            <a:off x="8177989" y="2466840"/>
-            <a:ext cx="2862878" cy="2022033"/>
+          <p:cNvSpPr/>
+          <p:nvPr/>
+        </p:nvSpPr>
+        <p:spPr>
+          <a:xfrm>
+            <a:off x="2056678" y="5248744"/>
+            <a:ext cx="1169988" cy="485078"/>
           </a:xfrm>
           <a:prstGeom prst="rect">
             <a:avLst/>
           </a:prstGeom>
-        </p:spPr>
-      </p:pic>
-      <p:pic>
-        <p:nvPicPr>
-          <p:cNvPr id="8" name="그림 7"/>
-          <p:cNvPicPr>
-            <a:picLocks noChangeAspect="1"/>
-          </p:cNvPicPr>
-          <p:nvPr/>
-        </p:nvPicPr>
-        <p:blipFill rotWithShape="1">
-          <a:blip r:embed="rId9">
+          <a:solidFill>
+            <a:srgbClr val="FFFFFF"/>
+          </a:solidFill>
+          <a:ln>
+            <a:noFill/>
+          </a:ln>
+        </p:spPr>
+        <p:style>
+          <a:lnRef idx="2">
+            <a:schemeClr val="accent1">
+              <a:shade val="50000"/>
+            </a:schemeClr>
+          </a:lnRef>
+          <a:fillRef idx="1">
+            <a:schemeClr val="accent1"/>
+          </a:fillRef>
+          <a:effectRef idx="0">
+            <a:schemeClr val="accent1"/>
+          </a:effectRef>
+          <a:fontRef idx="minor">
+            <a:schemeClr val="lt1"/>
+          </a:fontRef>
+        </p:style>
+        <p:txBody>
+          <a:bodyPr rtlCol="0" anchor="ctr"/>
+          <a:lstStyle/>
+          <a:p>
+            <a:pPr algn="ctr"/>
+            <a:endParaRPr lang="ko-KR" altLang="en-US"/>
+          </a:p>
+        </p:txBody>
+      </p:sp>
+      <p:sp>
+        <p:nvSpPr>
+          <p:cNvPr id="28" name="직사각형 27">
             <a:extLst>
-              <a:ext uri="{28A0092B-C50C-407E-A947-70E740481C1C}">
-                <a14:useLocalDpi xmlns:a14="http://schemas.microsoft.com/office/drawing/2010/main" val="0"/>
+              <a:ext uri="{FF2B5EF4-FFF2-40B4-BE49-F238E27FC236}">
+                <a16:creationId xmlns:a16="http://schemas.microsoft.com/office/drawing/2014/main" id="{054310D8-FD55-474C-AC99-4459D91D4F6D}"/>
               </a:ext>
             </a:extLst>
-          </a:blip>
-          <a:srcRect t="5051" b="-1"/>
-          <a:stretch/>
-        </p:blipFill>
-        <p:spPr>
-          <a:xfrm flipH="1">
-            <a:off x="3074988" y="4488873"/>
-            <a:ext cx="2286000" cy="2170546"/>
+          </p:cNvPr>
+          <p:cNvSpPr/>
+          <p:nvPr/>
+        </p:nvSpPr>
+        <p:spPr>
+          <a:xfrm>
+            <a:off x="5567648" y="4954796"/>
+            <a:ext cx="1169988" cy="794520"/>
           </a:xfrm>
           <a:prstGeom prst="rect">
             <a:avLst/>
           </a:prstGeom>
-        </p:spPr>
-      </p:pic>
+          <a:solidFill>
+            <a:srgbClr val="FFFFFF"/>
+          </a:solidFill>
+          <a:ln>
+            <a:noFill/>
+          </a:ln>
+        </p:spPr>
+        <p:style>
+          <a:lnRef idx="2">
+            <a:schemeClr val="accent1">
+              <a:shade val="50000"/>
+            </a:schemeClr>
+          </a:lnRef>
+          <a:fillRef idx="1">
+            <a:schemeClr val="accent1"/>
+          </a:fillRef>
+          <a:effectRef idx="0">
+            <a:schemeClr val="accent1"/>
+          </a:effectRef>
+          <a:fontRef idx="minor">
+            <a:schemeClr val="lt1"/>
+          </a:fontRef>
+        </p:style>
+        <p:txBody>
+          <a:bodyPr rtlCol="0" anchor="ctr"/>
+          <a:lstStyle/>
+          <a:p>
+            <a:pPr algn="ctr"/>
+            <a:endParaRPr lang="ko-KR" altLang="en-US"/>
+          </a:p>
+        </p:txBody>
+      </p:sp>
+      <p:sp>
+        <p:nvSpPr>
+          <p:cNvPr id="26" name="TextBox 25">
+            <a:extLst>
+              <a:ext uri="{FF2B5EF4-FFF2-40B4-BE49-F238E27FC236}">
+                <a16:creationId xmlns:a16="http://schemas.microsoft.com/office/drawing/2014/main" id="{59B40458-D42F-48EF-A795-99BBEB00A63A}"/>
+              </a:ext>
+            </a:extLst>
+          </p:cNvPr>
+          <p:cNvSpPr txBox="1"/>
+          <p:nvPr/>
+        </p:nvSpPr>
+        <p:spPr>
+          <a:xfrm>
+            <a:off x="5251362" y="5226715"/>
+            <a:ext cx="1756892" cy="646331"/>
+          </a:xfrm>
+          <a:prstGeom prst="rect">
+            <a:avLst/>
+          </a:prstGeom>
+          <a:noFill/>
+        </p:spPr>
+        <p:txBody>
+          <a:bodyPr wrap="square" rtlCol="0">
+            <a:spAutoFit/>
+          </a:bodyPr>
+          <a:lstStyle/>
+          <a:p>
+            <a:r>
+              <a:rPr lang="ko-KR" altLang="en-US" sz="3600" spc="-150">
+                <a:latin typeface="배달의민족 주아" panose="02020603020101020101" pitchFamily="18" charset="-127"/>
+                <a:ea typeface="배달의민족 주아" panose="02020603020101020101" pitchFamily="18" charset="-127"/>
+              </a:rPr>
+              <a:t>켜는 코드</a:t>
+            </a:r>
+            <a:endParaRPr lang="ko-KR" altLang="en-US" sz="3600" spc="-150" dirty="0">
+              <a:latin typeface="배달의민족 주아" panose="02020603020101020101" pitchFamily="18" charset="-127"/>
+              <a:ea typeface="배달의민족 주아" panose="02020603020101020101" pitchFamily="18" charset="-127"/>
+            </a:endParaRPr>
+          </a:p>
+        </p:txBody>
+      </p:sp>
+      <p:sp>
+        <p:nvSpPr>
+          <p:cNvPr id="30" name="직사각형 29">
+            <a:extLst>
+              <a:ext uri="{FF2B5EF4-FFF2-40B4-BE49-F238E27FC236}">
+                <a16:creationId xmlns:a16="http://schemas.microsoft.com/office/drawing/2014/main" id="{C553D2BD-E763-4F32-ABE5-3130F7C408EC}"/>
+              </a:ext>
+            </a:extLst>
+          </p:cNvPr>
+          <p:cNvSpPr/>
+          <p:nvPr/>
+        </p:nvSpPr>
+        <p:spPr>
+          <a:xfrm>
+            <a:off x="9064248" y="4975423"/>
+            <a:ext cx="1169988" cy="794520"/>
+          </a:xfrm>
+          <a:prstGeom prst="rect">
+            <a:avLst/>
+          </a:prstGeom>
+          <a:solidFill>
+            <a:srgbClr val="FFFFFF"/>
+          </a:solidFill>
+          <a:ln>
+            <a:noFill/>
+          </a:ln>
+        </p:spPr>
+        <p:style>
+          <a:lnRef idx="2">
+            <a:schemeClr val="accent1">
+              <a:shade val="50000"/>
+            </a:schemeClr>
+          </a:lnRef>
+          <a:fillRef idx="1">
+            <a:schemeClr val="accent1"/>
+          </a:fillRef>
+          <a:effectRef idx="0">
+            <a:schemeClr val="accent1"/>
+          </a:effectRef>
+          <a:fontRef idx="minor">
+            <a:schemeClr val="lt1"/>
+          </a:fontRef>
+        </p:style>
+        <p:txBody>
+          <a:bodyPr rtlCol="0" anchor="ctr"/>
+          <a:lstStyle/>
+          <a:p>
+            <a:pPr algn="ctr"/>
+            <a:endParaRPr lang="ko-KR" altLang="en-US"/>
+          </a:p>
+        </p:txBody>
+      </p:sp>
+      <p:sp>
+        <p:nvSpPr>
+          <p:cNvPr id="31" name="TextBox 30">
+            <a:extLst>
+              <a:ext uri="{FF2B5EF4-FFF2-40B4-BE49-F238E27FC236}">
+                <a16:creationId xmlns:a16="http://schemas.microsoft.com/office/drawing/2014/main" id="{CA5427C1-8A67-44A3-9C25-ABF600A976E1}"/>
+              </a:ext>
+            </a:extLst>
+          </p:cNvPr>
+          <p:cNvSpPr txBox="1"/>
+          <p:nvPr/>
+        </p:nvSpPr>
+        <p:spPr>
+          <a:xfrm>
+            <a:off x="8809914" y="5249327"/>
+            <a:ext cx="1756892" cy="646331"/>
+          </a:xfrm>
+          <a:prstGeom prst="rect">
+            <a:avLst/>
+          </a:prstGeom>
+          <a:noFill/>
+        </p:spPr>
+        <p:txBody>
+          <a:bodyPr wrap="square" rtlCol="0">
+            <a:spAutoFit/>
+          </a:bodyPr>
+          <a:lstStyle/>
+          <a:p>
+            <a:r>
+              <a:rPr lang="ko-KR" altLang="en-US" sz="3600" spc="-150">
+                <a:latin typeface="배달의민족 주아" panose="02020603020101020101" pitchFamily="18" charset="-127"/>
+                <a:ea typeface="배달의민족 주아" panose="02020603020101020101" pitchFamily="18" charset="-127"/>
+              </a:rPr>
+              <a:t>끄는 코드</a:t>
+            </a:r>
+            <a:endParaRPr lang="ko-KR" altLang="en-US" sz="3600" spc="-150" dirty="0">
+              <a:latin typeface="배달의민족 주아" panose="02020603020101020101" pitchFamily="18" charset="-127"/>
+              <a:ea typeface="배달의민족 주아" panose="02020603020101020101" pitchFamily="18" charset="-127"/>
+            </a:endParaRPr>
+          </a:p>
+        </p:txBody>
+      </p:sp>
     </p:spTree>
     <p:extLst>
       <p:ext uri="{BB962C8B-B14F-4D97-AF65-F5344CB8AC3E}">
@@ -16306,6 +16627,216 @@
   <p:transition spd="med">
     <p:strips dir="rd"/>
   </p:transition>
+  <p:timing>
+    <p:tnLst>
+      <p:par>
+        <p:cTn id="1" dur="indefinite" restart="never" nodeType="tmRoot">
+          <p:childTnLst>
+            <p:seq concurrent="1" nextAc="seek">
+              <p:cTn id="2" dur="indefinite" nodeType="mainSeq">
+                <p:childTnLst>
+                  <p:par>
+                    <p:cTn id="3" fill="hold">
+                      <p:stCondLst>
+                        <p:cond delay="indefinite"/>
+                      </p:stCondLst>
+                      <p:childTnLst>
+                        <p:par>
+                          <p:cTn id="4" fill="hold">
+                            <p:stCondLst>
+                              <p:cond delay="0"/>
+                            </p:stCondLst>
+                            <p:childTnLst>
+                              <p:par>
+                                <p:cTn id="5" presetID="42" presetClass="exit" presetSubtype="0" fill="hold" nodeType="clickEffect">
+                                  <p:stCondLst>
+                                    <p:cond delay="0"/>
+                                  </p:stCondLst>
+                                  <p:childTnLst>
+                                    <p:animEffect transition="out" filter="fade">
+                                      <p:cBhvr>
+                                        <p:cTn id="6" dur="1000"/>
+                                        <p:tgtEl>
+                                          <p:spTgt spid="2"/>
+                                        </p:tgtEl>
+                                      </p:cBhvr>
+                                    </p:animEffect>
+                                    <p:anim calcmode="lin" valueType="num">
+                                      <p:cBhvr>
+                                        <p:cTn id="7" dur="1000"/>
+                                        <p:tgtEl>
+                                          <p:spTgt spid="2"/>
+                                        </p:tgtEl>
+                                        <p:attrNameLst>
+                                          <p:attrName>ppt_x</p:attrName>
+                                        </p:attrNameLst>
+                                      </p:cBhvr>
+                                      <p:tavLst>
+                                        <p:tav tm="0">
+                                          <p:val>
+                                            <p:strVal val="ppt_x"/>
+                                          </p:val>
+                                        </p:tav>
+                                        <p:tav tm="100000">
+                                          <p:val>
+                                            <p:strVal val="ppt_x"/>
+                                          </p:val>
+                                        </p:tav>
+                                      </p:tavLst>
+                                    </p:anim>
+                                    <p:anim calcmode="lin" valueType="num">
+                                      <p:cBhvr>
+                                        <p:cTn id="8" dur="1000"/>
+                                        <p:tgtEl>
+                                          <p:spTgt spid="2"/>
+                                        </p:tgtEl>
+                                        <p:attrNameLst>
+                                          <p:attrName>ppt_y</p:attrName>
+                                        </p:attrNameLst>
+                                      </p:cBhvr>
+                                      <p:tavLst>
+                                        <p:tav tm="0">
+                                          <p:val>
+                                            <p:strVal val="ppt_y"/>
+                                          </p:val>
+                                        </p:tav>
+                                        <p:tav tm="100000">
+                                          <p:val>
+                                            <p:strVal val="ppt_y+.1"/>
+                                          </p:val>
+                                        </p:tav>
+                                      </p:tavLst>
+                                    </p:anim>
+                                    <p:set>
+                                      <p:cBhvr>
+                                        <p:cTn id="9" dur="1" fill="hold">
+                                          <p:stCondLst>
+                                            <p:cond delay="999"/>
+                                          </p:stCondLst>
+                                        </p:cTn>
+                                        <p:tgtEl>
+                                          <p:spTgt spid="2"/>
+                                        </p:tgtEl>
+                                        <p:attrNameLst>
+                                          <p:attrName>style.visibility</p:attrName>
+                                        </p:attrNameLst>
+                                      </p:cBhvr>
+                                      <p:to>
+                                        <p:strVal val="hidden"/>
+                                      </p:to>
+                                    </p:set>
+                                  </p:childTnLst>
+                                </p:cTn>
+                              </p:par>
+                              <p:par>
+                                <p:cTn id="10" presetID="42" presetClass="entr" presetSubtype="0" fill="hold" nodeType="withEffect">
+                                  <p:stCondLst>
+                                    <p:cond delay="0"/>
+                                  </p:stCondLst>
+                                  <p:childTnLst>
+                                    <p:set>
+                                      <p:cBhvr>
+                                        <p:cTn id="11" dur="1" fill="hold">
+                                          <p:stCondLst>
+                                            <p:cond delay="0"/>
+                                          </p:stCondLst>
+                                        </p:cTn>
+                                        <p:tgtEl>
+                                          <p:spTgt spid="6"/>
+                                        </p:tgtEl>
+                                        <p:attrNameLst>
+                                          <p:attrName>style.visibility</p:attrName>
+                                        </p:attrNameLst>
+                                      </p:cBhvr>
+                                      <p:to>
+                                        <p:strVal val="visible"/>
+                                      </p:to>
+                                    </p:set>
+                                    <p:animEffect transition="in" filter="fade">
+                                      <p:cBhvr>
+                                        <p:cTn id="12" dur="1000"/>
+                                        <p:tgtEl>
+                                          <p:spTgt spid="6"/>
+                                        </p:tgtEl>
+                                      </p:cBhvr>
+                                    </p:animEffect>
+                                    <p:anim calcmode="lin" valueType="num">
+                                      <p:cBhvr>
+                                        <p:cTn id="13" dur="1000" fill="hold"/>
+                                        <p:tgtEl>
+                                          <p:spTgt spid="6"/>
+                                        </p:tgtEl>
+                                        <p:attrNameLst>
+                                          <p:attrName>ppt_x</p:attrName>
+                                        </p:attrNameLst>
+                                      </p:cBhvr>
+                                      <p:tavLst>
+                                        <p:tav tm="0">
+                                          <p:val>
+                                            <p:strVal val="#ppt_x"/>
+                                          </p:val>
+                                        </p:tav>
+                                        <p:tav tm="100000">
+                                          <p:val>
+                                            <p:strVal val="#ppt_x"/>
+                                          </p:val>
+                                        </p:tav>
+                                      </p:tavLst>
+                                    </p:anim>
+                                    <p:anim calcmode="lin" valueType="num">
+                                      <p:cBhvr>
+                                        <p:cTn id="14" dur="1000" fill="hold"/>
+                                        <p:tgtEl>
+                                          <p:spTgt spid="6"/>
+                                        </p:tgtEl>
+                                        <p:attrNameLst>
+                                          <p:attrName>ppt_y</p:attrName>
+                                        </p:attrNameLst>
+                                      </p:cBhvr>
+                                      <p:tavLst>
+                                        <p:tav tm="0">
+                                          <p:val>
+                                            <p:strVal val="#ppt_y+.1"/>
+                                          </p:val>
+                                        </p:tav>
+                                        <p:tav tm="100000">
+                                          <p:val>
+                                            <p:strVal val="#ppt_y"/>
+                                          </p:val>
+                                        </p:tav>
+                                      </p:tavLst>
+                                    </p:anim>
+                                  </p:childTnLst>
+                                </p:cTn>
+                              </p:par>
+                            </p:childTnLst>
+                          </p:cTn>
+                        </p:par>
+                      </p:childTnLst>
+                    </p:cTn>
+                  </p:par>
+                </p:childTnLst>
+              </p:cTn>
+              <p:prevCondLst>
+                <p:cond evt="onPrev" delay="0">
+                  <p:tgtEl>
+                    <p:sldTgt/>
+                  </p:tgtEl>
+                </p:cond>
+              </p:prevCondLst>
+              <p:nextCondLst>
+                <p:cond evt="onNext" delay="0">
+                  <p:tgtEl>
+                    <p:sldTgt/>
+                  </p:tgtEl>
+                </p:cond>
+              </p:nextCondLst>
+            </p:seq>
+          </p:childTnLst>
+        </p:cTn>
+      </p:par>
+    </p:tnLst>
+  </p:timing>
 </p:sld>
 </file>
 

--- a/아두이노 프로젝트.pptx
+++ b/아두이노 프로젝트.pptx
@@ -244,7 +244,7 @@
           <a:p>
             <a:fld id="{6A0A1020-21BF-4537-923E-F3E36DF11763}" type="datetimeFigureOut">
               <a:rPr lang="ko-KR" altLang="en-US" smtClean="0"/>
-              <a:t>2021-06-22</a:t>
+              <a:t>2021-06-23</a:t>
             </a:fld>
             <a:endParaRPr lang="ko-KR" altLang="en-US"/>
           </a:p>
@@ -1067,7 +1067,7 @@
           <a:p>
             <a:fld id="{70813731-A2AA-4818-A2AB-7C4716576399}" type="datetimeFigureOut">
               <a:rPr lang="ko-KR" altLang="en-US" smtClean="0"/>
-              <a:t>2021-06-22</a:t>
+              <a:t>2021-06-23</a:t>
             </a:fld>
             <a:endParaRPr lang="ko-KR" altLang="en-US"/>
           </a:p>
@@ -1238,7 +1238,7 @@
           <a:p>
             <a:fld id="{70813731-A2AA-4818-A2AB-7C4716576399}" type="datetimeFigureOut">
               <a:rPr lang="ko-KR" altLang="en-US" smtClean="0"/>
-              <a:t>2021-06-22</a:t>
+              <a:t>2021-06-23</a:t>
             </a:fld>
             <a:endParaRPr lang="ko-KR" altLang="en-US"/>
           </a:p>
@@ -1419,7 +1419,7 @@
           <a:p>
             <a:fld id="{70813731-A2AA-4818-A2AB-7C4716576399}" type="datetimeFigureOut">
               <a:rPr lang="ko-KR" altLang="en-US" smtClean="0"/>
-              <a:t>2021-06-22</a:t>
+              <a:t>2021-06-23</a:t>
             </a:fld>
             <a:endParaRPr lang="ko-KR" altLang="en-US"/>
           </a:p>
@@ -1590,7 +1590,7 @@
           <a:p>
             <a:fld id="{70813731-A2AA-4818-A2AB-7C4716576399}" type="datetimeFigureOut">
               <a:rPr lang="ko-KR" altLang="en-US" smtClean="0"/>
-              <a:t>2021-06-22</a:t>
+              <a:t>2021-06-23</a:t>
             </a:fld>
             <a:endParaRPr lang="ko-KR" altLang="en-US"/>
           </a:p>
@@ -1838,7 +1838,7 @@
           <a:p>
             <a:fld id="{70813731-A2AA-4818-A2AB-7C4716576399}" type="datetimeFigureOut">
               <a:rPr lang="ko-KR" altLang="en-US" smtClean="0"/>
-              <a:t>2021-06-22</a:t>
+              <a:t>2021-06-23</a:t>
             </a:fld>
             <a:endParaRPr lang="ko-KR" altLang="en-US"/>
           </a:p>
@@ -2070,7 +2070,7 @@
           <a:p>
             <a:fld id="{70813731-A2AA-4818-A2AB-7C4716576399}" type="datetimeFigureOut">
               <a:rPr lang="ko-KR" altLang="en-US" smtClean="0"/>
-              <a:t>2021-06-22</a:t>
+              <a:t>2021-06-23</a:t>
             </a:fld>
             <a:endParaRPr lang="ko-KR" altLang="en-US"/>
           </a:p>
@@ -2437,7 +2437,7 @@
           <a:p>
             <a:fld id="{70813731-A2AA-4818-A2AB-7C4716576399}" type="datetimeFigureOut">
               <a:rPr lang="ko-KR" altLang="en-US" smtClean="0"/>
-              <a:t>2021-06-22</a:t>
+              <a:t>2021-06-23</a:t>
             </a:fld>
             <a:endParaRPr lang="ko-KR" altLang="en-US"/>
           </a:p>
@@ -2557,7 +2557,7 @@
           <a:p>
             <a:fld id="{70813731-A2AA-4818-A2AB-7C4716576399}" type="datetimeFigureOut">
               <a:rPr lang="ko-KR" altLang="en-US" smtClean="0"/>
-              <a:t>2021-06-22</a:t>
+              <a:t>2021-06-23</a:t>
             </a:fld>
             <a:endParaRPr lang="ko-KR" altLang="en-US"/>
           </a:p>
@@ -2655,7 +2655,7 @@
           <a:p>
             <a:fld id="{70813731-A2AA-4818-A2AB-7C4716576399}" type="datetimeFigureOut">
               <a:rPr lang="ko-KR" altLang="en-US" smtClean="0"/>
-              <a:t>2021-06-22</a:t>
+              <a:t>2021-06-23</a:t>
             </a:fld>
             <a:endParaRPr lang="ko-KR" altLang="en-US"/>
           </a:p>
@@ -2933,7 +2933,7 @@
           <a:p>
             <a:fld id="{70813731-A2AA-4818-A2AB-7C4716576399}" type="datetimeFigureOut">
               <a:rPr lang="ko-KR" altLang="en-US" smtClean="0"/>
-              <a:t>2021-06-22</a:t>
+              <a:t>2021-06-23</a:t>
             </a:fld>
             <a:endParaRPr lang="ko-KR" altLang="en-US"/>
           </a:p>
@@ -3188,7 +3188,7 @@
           <a:p>
             <a:fld id="{70813731-A2AA-4818-A2AB-7C4716576399}" type="datetimeFigureOut">
               <a:rPr lang="ko-KR" altLang="en-US" smtClean="0"/>
-              <a:t>2021-06-22</a:t>
+              <a:t>2021-06-23</a:t>
             </a:fld>
             <a:endParaRPr lang="ko-KR" altLang="en-US"/>
           </a:p>
@@ -3402,7 +3402,7 @@
           <a:p>
             <a:fld id="{70813731-A2AA-4818-A2AB-7C4716576399}" type="datetimeFigureOut">
               <a:rPr lang="ko-KR" altLang="en-US" smtClean="0"/>
-              <a:t>2021-06-22</a:t>
+              <a:t>2021-06-23</a:t>
             </a:fld>
             <a:endParaRPr lang="ko-KR" altLang="en-US"/>
           </a:p>
